--- a/Documentação/Slides de Apresentação do Andamento/Apresentação ES2.pptx
+++ b/Documentação/Slides de Apresentação do Andamento/Apresentação ES2.pptx
@@ -17,7 +17,7 @@
     <p:sldId id="264" r:id="rId12"/>
   </p:sldIdLst>
   <p:sldSz cx="9144000" cy="5143500"/>
-  <p:notesSz cx="6858000" cy="9144000"/>
+  <p:notesSz cx="7559675" cy="10691812"/>
 </p:presentation>
 </file>
 
@@ -62,7 +62,7 @@
       </p:grpSpPr>
       <p:sp>
         <p:nvSpPr>
-          <p:cNvPr id="24" name="PlaceHolder 1"/>
+          <p:cNvPr id="23" name="PlaceHolder 1"/>
           <p:cNvSpPr>
             <a:spLocks noGrp="1"/>
           </p:cNvSpPr>
@@ -73,7 +73,7 @@
         <p:spPr>
           <a:xfrm>
             <a:off x="685800" y="1583280"/>
-            <a:ext cx="7772040" cy="1159920"/>
+            <a:ext cx="7771680" cy="1159920"/>
           </a:xfrm>
           <a:prstGeom prst="rect">
             <a:avLst/>
@@ -82,13 +82,14 @@
         <p:txBody>
           <a:bodyPr anchor="ctr" bIns="0" lIns="0" rIns="0" tIns="0" wrap="none"/>
           <a:p>
-            <a:endParaRPr/>
-          </a:p>
-        </p:txBody>
-      </p:sp>
-      <p:sp>
-        <p:nvSpPr>
-          <p:cNvPr id="25" name="PlaceHolder 2"/>
+            <a:pPr algn="ctr"/>
+            <a:endParaRPr/>
+          </a:p>
+        </p:txBody>
+      </p:sp>
+      <p:sp>
+        <p:nvSpPr>
+          <p:cNvPr id="24" name="PlaceHolder 2"/>
           <p:cNvSpPr>
             <a:spLocks noGrp="1"/>
           </p:cNvSpPr>
@@ -114,7 +115,7 @@
       </p:sp>
       <p:sp>
         <p:nvSpPr>
-          <p:cNvPr id="26" name="PlaceHolder 3"/>
+          <p:cNvPr id="25" name="PlaceHolder 3"/>
           <p:cNvSpPr>
             <a:spLocks noGrp="1"/>
           </p:cNvSpPr>
@@ -162,7 +163,7 @@
       </p:grpSpPr>
       <p:sp>
         <p:nvSpPr>
-          <p:cNvPr id="27" name="PlaceHolder 1"/>
+          <p:cNvPr id="26" name="PlaceHolder 1"/>
           <p:cNvSpPr>
             <a:spLocks noGrp="1"/>
           </p:cNvSpPr>
@@ -173,7 +174,7 @@
         <p:spPr>
           <a:xfrm>
             <a:off x="685800" y="1583280"/>
-            <a:ext cx="7772040" cy="1159920"/>
+            <a:ext cx="7771680" cy="1159920"/>
           </a:xfrm>
           <a:prstGeom prst="rect">
             <a:avLst/>
@@ -182,13 +183,14 @@
         <p:txBody>
           <a:bodyPr anchor="ctr" bIns="0" lIns="0" rIns="0" tIns="0" wrap="none"/>
           <a:p>
-            <a:endParaRPr/>
-          </a:p>
-        </p:txBody>
-      </p:sp>
-      <p:sp>
-        <p:nvSpPr>
-          <p:cNvPr id="28" name="PlaceHolder 2"/>
+            <a:pPr algn="ctr"/>
+            <a:endParaRPr/>
+          </a:p>
+        </p:txBody>
+      </p:sp>
+      <p:sp>
+        <p:nvSpPr>
+          <p:cNvPr id="27" name="PlaceHolder 2"/>
           <p:cNvSpPr>
             <a:spLocks noGrp="1"/>
           </p:cNvSpPr>
@@ -214,7 +216,7 @@
       </p:sp>
       <p:sp>
         <p:nvSpPr>
-          <p:cNvPr id="29" name="PlaceHolder 3"/>
+          <p:cNvPr id="28" name="PlaceHolder 3"/>
           <p:cNvSpPr>
             <a:spLocks noGrp="1"/>
           </p:cNvSpPr>
@@ -240,7 +242,7 @@
       </p:sp>
       <p:sp>
         <p:nvSpPr>
-          <p:cNvPr id="30" name="PlaceHolder 4"/>
+          <p:cNvPr id="29" name="PlaceHolder 4"/>
           <p:cNvSpPr>
             <a:spLocks noGrp="1"/>
           </p:cNvSpPr>
@@ -266,7 +268,7 @@
       </p:sp>
       <p:sp>
         <p:nvSpPr>
-          <p:cNvPr id="31" name="PlaceHolder 5"/>
+          <p:cNvPr id="30" name="PlaceHolder 5"/>
           <p:cNvSpPr>
             <a:spLocks noGrp="1"/>
           </p:cNvSpPr>
@@ -314,7 +316,7 @@
       </p:grpSpPr>
       <p:sp>
         <p:nvSpPr>
-          <p:cNvPr id="32" name="PlaceHolder 1"/>
+          <p:cNvPr id="31" name="PlaceHolder 1"/>
           <p:cNvSpPr>
             <a:spLocks noGrp="1"/>
           </p:cNvSpPr>
@@ -325,7 +327,7 @@
         <p:spPr>
           <a:xfrm>
             <a:off x="685800" y="1583280"/>
-            <a:ext cx="7772040" cy="1159920"/>
+            <a:ext cx="7771680" cy="1159920"/>
           </a:xfrm>
           <a:prstGeom prst="rect">
             <a:avLst/>
@@ -334,13 +336,14 @@
         <p:txBody>
           <a:bodyPr anchor="ctr" bIns="0" lIns="0" rIns="0" tIns="0" wrap="none"/>
           <a:p>
-            <a:endParaRPr/>
-          </a:p>
-        </p:txBody>
-      </p:sp>
-      <p:sp>
-        <p:nvSpPr>
-          <p:cNvPr id="33" name="PlaceHolder 2"/>
+            <a:pPr algn="ctr"/>
+            <a:endParaRPr/>
+          </a:p>
+        </p:txBody>
+      </p:sp>
+      <p:sp>
+        <p:nvSpPr>
+          <p:cNvPr id="32" name="PlaceHolder 2"/>
           <p:cNvSpPr>
             <a:spLocks noGrp="1"/>
           </p:cNvSpPr>
@@ -366,7 +369,7 @@
       </p:sp>
       <p:sp>
         <p:nvSpPr>
-          <p:cNvPr id="34" name="PlaceHolder 3"/>
+          <p:cNvPr id="33" name="PlaceHolder 3"/>
           <p:cNvSpPr>
             <a:spLocks noGrp="1"/>
           </p:cNvSpPr>
@@ -436,7 +439,7 @@
       </p:grpSpPr>
       <p:sp>
         <p:nvSpPr>
-          <p:cNvPr id="38" name="PlaceHolder 1"/>
+          <p:cNvPr id="36" name="PlaceHolder 1"/>
           <p:cNvSpPr>
             <a:spLocks noGrp="1"/>
           </p:cNvSpPr>
@@ -447,7 +450,7 @@
         <p:spPr>
           <a:xfrm>
             <a:off x="685800" y="1583280"/>
-            <a:ext cx="7772040" cy="1159920"/>
+            <a:ext cx="7771680" cy="1159920"/>
           </a:xfrm>
           <a:prstGeom prst="rect">
             <a:avLst/>
@@ -456,13 +459,14 @@
         <p:txBody>
           <a:bodyPr anchor="ctr" bIns="0" lIns="0" rIns="0" tIns="0" wrap="none"/>
           <a:p>
-            <a:endParaRPr/>
-          </a:p>
-        </p:txBody>
-      </p:sp>
-      <p:sp>
-        <p:nvSpPr>
-          <p:cNvPr id="39" name="PlaceHolder 2"/>
+            <a:pPr algn="ctr"/>
+            <a:endParaRPr/>
+          </a:p>
+        </p:txBody>
+      </p:sp>
+      <p:sp>
+        <p:nvSpPr>
+          <p:cNvPr id="37" name="PlaceHolder 2"/>
           <p:cNvSpPr>
             <a:spLocks noGrp="1"/>
           </p:cNvSpPr>
@@ -511,7 +515,7 @@
       </p:grpSpPr>
       <p:sp>
         <p:nvSpPr>
-          <p:cNvPr id="40" name="PlaceHolder 1"/>
+          <p:cNvPr id="38" name="PlaceHolder 1"/>
           <p:cNvSpPr>
             <a:spLocks noGrp="1"/>
           </p:cNvSpPr>
@@ -522,7 +526,7 @@
         <p:spPr>
           <a:xfrm>
             <a:off x="685800" y="1583280"/>
-            <a:ext cx="7772040" cy="1159920"/>
+            <a:ext cx="7771680" cy="1159920"/>
           </a:xfrm>
           <a:prstGeom prst="rect">
             <a:avLst/>
@@ -531,13 +535,14 @@
         <p:txBody>
           <a:bodyPr anchor="ctr" bIns="0" lIns="0" rIns="0" tIns="0" wrap="none"/>
           <a:p>
-            <a:endParaRPr/>
-          </a:p>
-        </p:txBody>
-      </p:sp>
-      <p:sp>
-        <p:nvSpPr>
-          <p:cNvPr id="41" name="PlaceHolder 2"/>
+            <a:pPr algn="ctr"/>
+            <a:endParaRPr/>
+          </a:p>
+        </p:txBody>
+      </p:sp>
+      <p:sp>
+        <p:nvSpPr>
+          <p:cNvPr id="39" name="PlaceHolder 2"/>
           <p:cNvSpPr>
             <a:spLocks noGrp="1"/>
           </p:cNvSpPr>
@@ -585,7 +590,7 @@
       </p:grpSpPr>
       <p:sp>
         <p:nvSpPr>
-          <p:cNvPr id="42" name="PlaceHolder 1"/>
+          <p:cNvPr id="40" name="PlaceHolder 1"/>
           <p:cNvSpPr>
             <a:spLocks noGrp="1"/>
           </p:cNvSpPr>
@@ -596,7 +601,7 @@
         <p:spPr>
           <a:xfrm>
             <a:off x="685800" y="1583280"/>
-            <a:ext cx="7772040" cy="1159920"/>
+            <a:ext cx="7771680" cy="1159920"/>
           </a:xfrm>
           <a:prstGeom prst="rect">
             <a:avLst/>
@@ -605,13 +610,14 @@
         <p:txBody>
           <a:bodyPr anchor="ctr" bIns="0" lIns="0" rIns="0" tIns="0" wrap="none"/>
           <a:p>
-            <a:endParaRPr/>
-          </a:p>
-        </p:txBody>
-      </p:sp>
-      <p:sp>
-        <p:nvSpPr>
-          <p:cNvPr id="43" name="PlaceHolder 2"/>
+            <a:pPr algn="ctr"/>
+            <a:endParaRPr/>
+          </a:p>
+        </p:txBody>
+      </p:sp>
+      <p:sp>
+        <p:nvSpPr>
+          <p:cNvPr id="41" name="PlaceHolder 2"/>
           <p:cNvSpPr>
             <a:spLocks noGrp="1"/>
           </p:cNvSpPr>
@@ -637,7 +643,7 @@
       </p:sp>
       <p:sp>
         <p:nvSpPr>
-          <p:cNvPr id="44" name="PlaceHolder 3"/>
+          <p:cNvPr id="42" name="PlaceHolder 3"/>
           <p:cNvSpPr>
             <a:spLocks noGrp="1"/>
           </p:cNvSpPr>
@@ -685,7 +691,7 @@
       </p:grpSpPr>
       <p:sp>
         <p:nvSpPr>
-          <p:cNvPr id="45" name="PlaceHolder 1"/>
+          <p:cNvPr id="43" name="PlaceHolder 1"/>
           <p:cNvSpPr>
             <a:spLocks noGrp="1"/>
           </p:cNvSpPr>
@@ -696,7 +702,7 @@
         <p:spPr>
           <a:xfrm>
             <a:off x="685800" y="1583280"/>
-            <a:ext cx="7772040" cy="1159920"/>
+            <a:ext cx="7771680" cy="1159920"/>
           </a:xfrm>
           <a:prstGeom prst="rect">
             <a:avLst/>
@@ -705,6 +711,7 @@
         <p:txBody>
           <a:bodyPr anchor="ctr" bIns="0" lIns="0" rIns="0" tIns="0" wrap="none"/>
           <a:p>
+            <a:pPr algn="ctr"/>
             <a:endParaRPr/>
           </a:p>
         </p:txBody>
@@ -733,7 +740,7 @@
       </p:grpSpPr>
       <p:sp>
         <p:nvSpPr>
-          <p:cNvPr id="46" name="PlaceHolder 1"/>
+          <p:cNvPr id="44" name="PlaceHolder 1"/>
           <p:cNvSpPr>
             <a:spLocks noGrp="1"/>
           </p:cNvSpPr>
@@ -744,7 +751,7 @@
         <p:spPr>
           <a:xfrm>
             <a:off x="685800" y="1583280"/>
-            <a:ext cx="7772040" cy="2603160"/>
+            <a:ext cx="7771680" cy="2603160"/>
           </a:xfrm>
           <a:prstGeom prst="rect">
             <a:avLst/>
@@ -782,7 +789,7 @@
       </p:grpSpPr>
       <p:sp>
         <p:nvSpPr>
-          <p:cNvPr id="47" name="PlaceHolder 1"/>
+          <p:cNvPr id="45" name="PlaceHolder 1"/>
           <p:cNvSpPr>
             <a:spLocks noGrp="1"/>
           </p:cNvSpPr>
@@ -793,7 +800,7 @@
         <p:spPr>
           <a:xfrm>
             <a:off x="685800" y="1583280"/>
-            <a:ext cx="7772040" cy="1159920"/>
+            <a:ext cx="7771680" cy="1159920"/>
           </a:xfrm>
           <a:prstGeom prst="rect">
             <a:avLst/>
@@ -802,13 +809,14 @@
         <p:txBody>
           <a:bodyPr anchor="ctr" bIns="0" lIns="0" rIns="0" tIns="0" wrap="none"/>
           <a:p>
-            <a:endParaRPr/>
-          </a:p>
-        </p:txBody>
-      </p:sp>
-      <p:sp>
-        <p:nvSpPr>
-          <p:cNvPr id="48" name="PlaceHolder 2"/>
+            <a:pPr algn="ctr"/>
+            <a:endParaRPr/>
+          </a:p>
+        </p:txBody>
+      </p:sp>
+      <p:sp>
+        <p:nvSpPr>
+          <p:cNvPr id="46" name="PlaceHolder 2"/>
           <p:cNvSpPr>
             <a:spLocks noGrp="1"/>
           </p:cNvSpPr>
@@ -834,7 +842,7 @@
       </p:sp>
       <p:sp>
         <p:nvSpPr>
-          <p:cNvPr id="49" name="PlaceHolder 3"/>
+          <p:cNvPr id="47" name="PlaceHolder 3"/>
           <p:cNvSpPr>
             <a:spLocks noGrp="1"/>
           </p:cNvSpPr>
@@ -860,7 +868,7 @@
       </p:sp>
       <p:sp>
         <p:nvSpPr>
-          <p:cNvPr id="50" name="PlaceHolder 4"/>
+          <p:cNvPr id="48" name="PlaceHolder 4"/>
           <p:cNvSpPr>
             <a:spLocks noGrp="1"/>
           </p:cNvSpPr>
@@ -908,7 +916,7 @@
       </p:grpSpPr>
       <p:sp>
         <p:nvSpPr>
-          <p:cNvPr id="3" name="PlaceHolder 1"/>
+          <p:cNvPr id="2" name="PlaceHolder 1"/>
           <p:cNvSpPr>
             <a:spLocks noGrp="1"/>
           </p:cNvSpPr>
@@ -919,7 +927,7 @@
         <p:spPr>
           <a:xfrm>
             <a:off x="685800" y="1583280"/>
-            <a:ext cx="7772040" cy="1159920"/>
+            <a:ext cx="7771680" cy="1159920"/>
           </a:xfrm>
           <a:prstGeom prst="rect">
             <a:avLst/>
@@ -928,13 +936,14 @@
         <p:txBody>
           <a:bodyPr anchor="ctr" bIns="0" lIns="0" rIns="0" tIns="0" wrap="none"/>
           <a:p>
-            <a:endParaRPr/>
-          </a:p>
-        </p:txBody>
-      </p:sp>
-      <p:sp>
-        <p:nvSpPr>
-          <p:cNvPr id="4" name="PlaceHolder 2"/>
+            <a:pPr algn="ctr"/>
+            <a:endParaRPr/>
+          </a:p>
+        </p:txBody>
+      </p:sp>
+      <p:sp>
+        <p:nvSpPr>
+          <p:cNvPr id="3" name="PlaceHolder 2"/>
           <p:cNvSpPr>
             <a:spLocks noGrp="1"/>
           </p:cNvSpPr>
@@ -983,7 +992,7 @@
       </p:grpSpPr>
       <p:sp>
         <p:nvSpPr>
-          <p:cNvPr id="51" name="PlaceHolder 1"/>
+          <p:cNvPr id="49" name="PlaceHolder 1"/>
           <p:cNvSpPr>
             <a:spLocks noGrp="1"/>
           </p:cNvSpPr>
@@ -994,7 +1003,7 @@
         <p:spPr>
           <a:xfrm>
             <a:off x="685800" y="1583280"/>
-            <a:ext cx="7772040" cy="1159920"/>
+            <a:ext cx="7771680" cy="1159920"/>
           </a:xfrm>
           <a:prstGeom prst="rect">
             <a:avLst/>
@@ -1003,13 +1012,14 @@
         <p:txBody>
           <a:bodyPr anchor="ctr" bIns="0" lIns="0" rIns="0" tIns="0" wrap="none"/>
           <a:p>
-            <a:endParaRPr/>
-          </a:p>
-        </p:txBody>
-      </p:sp>
-      <p:sp>
-        <p:nvSpPr>
-          <p:cNvPr id="52" name="PlaceHolder 2"/>
+            <a:pPr algn="ctr"/>
+            <a:endParaRPr/>
+          </a:p>
+        </p:txBody>
+      </p:sp>
+      <p:sp>
+        <p:nvSpPr>
+          <p:cNvPr id="50" name="PlaceHolder 2"/>
           <p:cNvSpPr>
             <a:spLocks noGrp="1"/>
           </p:cNvSpPr>
@@ -1035,7 +1045,7 @@
       </p:sp>
       <p:sp>
         <p:nvSpPr>
-          <p:cNvPr id="53" name="PlaceHolder 3"/>
+          <p:cNvPr id="51" name="PlaceHolder 3"/>
           <p:cNvSpPr>
             <a:spLocks noGrp="1"/>
           </p:cNvSpPr>
@@ -1061,7 +1071,7 @@
       </p:sp>
       <p:sp>
         <p:nvSpPr>
-          <p:cNvPr id="54" name="PlaceHolder 4"/>
+          <p:cNvPr id="52" name="PlaceHolder 4"/>
           <p:cNvSpPr>
             <a:spLocks noGrp="1"/>
           </p:cNvSpPr>
@@ -1109,7 +1119,7 @@
       </p:grpSpPr>
       <p:sp>
         <p:nvSpPr>
-          <p:cNvPr id="55" name="PlaceHolder 1"/>
+          <p:cNvPr id="53" name="PlaceHolder 1"/>
           <p:cNvSpPr>
             <a:spLocks noGrp="1"/>
           </p:cNvSpPr>
@@ -1120,7 +1130,7 @@
         <p:spPr>
           <a:xfrm>
             <a:off x="685800" y="1583280"/>
-            <a:ext cx="7772040" cy="1159920"/>
+            <a:ext cx="7771680" cy="1159920"/>
           </a:xfrm>
           <a:prstGeom prst="rect">
             <a:avLst/>
@@ -1129,13 +1139,14 @@
         <p:txBody>
           <a:bodyPr anchor="ctr" bIns="0" lIns="0" rIns="0" tIns="0" wrap="none"/>
           <a:p>
-            <a:endParaRPr/>
-          </a:p>
-        </p:txBody>
-      </p:sp>
-      <p:sp>
-        <p:nvSpPr>
-          <p:cNvPr id="56" name="PlaceHolder 2"/>
+            <a:pPr algn="ctr"/>
+            <a:endParaRPr/>
+          </a:p>
+        </p:txBody>
+      </p:sp>
+      <p:sp>
+        <p:nvSpPr>
+          <p:cNvPr id="54" name="PlaceHolder 2"/>
           <p:cNvSpPr>
             <a:spLocks noGrp="1"/>
           </p:cNvSpPr>
@@ -1161,7 +1172,7 @@
       </p:sp>
       <p:sp>
         <p:nvSpPr>
-          <p:cNvPr id="57" name="PlaceHolder 3"/>
+          <p:cNvPr id="55" name="PlaceHolder 3"/>
           <p:cNvSpPr>
             <a:spLocks noGrp="1"/>
           </p:cNvSpPr>
@@ -1187,7 +1198,7 @@
       </p:sp>
       <p:sp>
         <p:nvSpPr>
-          <p:cNvPr id="58" name="PlaceHolder 4"/>
+          <p:cNvPr id="56" name="PlaceHolder 4"/>
           <p:cNvSpPr>
             <a:spLocks noGrp="1"/>
           </p:cNvSpPr>
@@ -1235,7 +1246,7 @@
       </p:grpSpPr>
       <p:sp>
         <p:nvSpPr>
-          <p:cNvPr id="59" name="PlaceHolder 1"/>
+          <p:cNvPr id="57" name="PlaceHolder 1"/>
           <p:cNvSpPr>
             <a:spLocks noGrp="1"/>
           </p:cNvSpPr>
@@ -1246,7 +1257,7 @@
         <p:spPr>
           <a:xfrm>
             <a:off x="685800" y="1583280"/>
-            <a:ext cx="7772040" cy="1159920"/>
+            <a:ext cx="7771680" cy="1159920"/>
           </a:xfrm>
           <a:prstGeom prst="rect">
             <a:avLst/>
@@ -1255,13 +1266,14 @@
         <p:txBody>
           <a:bodyPr anchor="ctr" bIns="0" lIns="0" rIns="0" tIns="0" wrap="none"/>
           <a:p>
-            <a:endParaRPr/>
-          </a:p>
-        </p:txBody>
-      </p:sp>
-      <p:sp>
-        <p:nvSpPr>
-          <p:cNvPr id="60" name="PlaceHolder 2"/>
+            <a:pPr algn="ctr"/>
+            <a:endParaRPr/>
+          </a:p>
+        </p:txBody>
+      </p:sp>
+      <p:sp>
+        <p:nvSpPr>
+          <p:cNvPr id="58" name="PlaceHolder 2"/>
           <p:cNvSpPr>
             <a:spLocks noGrp="1"/>
           </p:cNvSpPr>
@@ -1287,7 +1299,7 @@
       </p:sp>
       <p:sp>
         <p:nvSpPr>
-          <p:cNvPr id="61" name="PlaceHolder 3"/>
+          <p:cNvPr id="59" name="PlaceHolder 3"/>
           <p:cNvSpPr>
             <a:spLocks noGrp="1"/>
           </p:cNvSpPr>
@@ -1335,7 +1347,7 @@
       </p:grpSpPr>
       <p:sp>
         <p:nvSpPr>
-          <p:cNvPr id="62" name="PlaceHolder 1"/>
+          <p:cNvPr id="60" name="PlaceHolder 1"/>
           <p:cNvSpPr>
             <a:spLocks noGrp="1"/>
           </p:cNvSpPr>
@@ -1346,7 +1358,7 @@
         <p:spPr>
           <a:xfrm>
             <a:off x="685800" y="1583280"/>
-            <a:ext cx="7772040" cy="1159920"/>
+            <a:ext cx="7771680" cy="1159920"/>
           </a:xfrm>
           <a:prstGeom prst="rect">
             <a:avLst/>
@@ -1355,13 +1367,14 @@
         <p:txBody>
           <a:bodyPr anchor="ctr" bIns="0" lIns="0" rIns="0" tIns="0" wrap="none"/>
           <a:p>
-            <a:endParaRPr/>
-          </a:p>
-        </p:txBody>
-      </p:sp>
-      <p:sp>
-        <p:nvSpPr>
-          <p:cNvPr id="63" name="PlaceHolder 2"/>
+            <a:pPr algn="ctr"/>
+            <a:endParaRPr/>
+          </a:p>
+        </p:txBody>
+      </p:sp>
+      <p:sp>
+        <p:nvSpPr>
+          <p:cNvPr id="61" name="PlaceHolder 2"/>
           <p:cNvSpPr>
             <a:spLocks noGrp="1"/>
           </p:cNvSpPr>
@@ -1387,7 +1400,7 @@
       </p:sp>
       <p:sp>
         <p:nvSpPr>
-          <p:cNvPr id="64" name="PlaceHolder 3"/>
+          <p:cNvPr id="62" name="PlaceHolder 3"/>
           <p:cNvSpPr>
             <a:spLocks noGrp="1"/>
           </p:cNvSpPr>
@@ -1413,7 +1426,7 @@
       </p:sp>
       <p:sp>
         <p:nvSpPr>
-          <p:cNvPr id="65" name="PlaceHolder 4"/>
+          <p:cNvPr id="63" name="PlaceHolder 4"/>
           <p:cNvSpPr>
             <a:spLocks noGrp="1"/>
           </p:cNvSpPr>
@@ -1439,7 +1452,7 @@
       </p:sp>
       <p:sp>
         <p:nvSpPr>
-          <p:cNvPr id="66" name="PlaceHolder 5"/>
+          <p:cNvPr id="64" name="PlaceHolder 5"/>
           <p:cNvSpPr>
             <a:spLocks noGrp="1"/>
           </p:cNvSpPr>
@@ -1487,7 +1500,7 @@
       </p:grpSpPr>
       <p:sp>
         <p:nvSpPr>
-          <p:cNvPr id="67" name="PlaceHolder 1"/>
+          <p:cNvPr id="65" name="PlaceHolder 1"/>
           <p:cNvSpPr>
             <a:spLocks noGrp="1"/>
           </p:cNvSpPr>
@@ -1498,7 +1511,7 @@
         <p:spPr>
           <a:xfrm>
             <a:off x="685800" y="1583280"/>
-            <a:ext cx="7772040" cy="1159920"/>
+            <a:ext cx="7771680" cy="1159920"/>
           </a:xfrm>
           <a:prstGeom prst="rect">
             <a:avLst/>
@@ -1507,13 +1520,14 @@
         <p:txBody>
           <a:bodyPr anchor="ctr" bIns="0" lIns="0" rIns="0" tIns="0" wrap="none"/>
           <a:p>
-            <a:endParaRPr/>
-          </a:p>
-        </p:txBody>
-      </p:sp>
-      <p:sp>
-        <p:nvSpPr>
-          <p:cNvPr id="68" name="PlaceHolder 2"/>
+            <a:pPr algn="ctr"/>
+            <a:endParaRPr/>
+          </a:p>
+        </p:txBody>
+      </p:sp>
+      <p:sp>
+        <p:nvSpPr>
+          <p:cNvPr id="66" name="PlaceHolder 2"/>
           <p:cNvSpPr>
             <a:spLocks noGrp="1"/>
           </p:cNvSpPr>
@@ -1539,7 +1553,7 @@
       </p:sp>
       <p:sp>
         <p:nvSpPr>
-          <p:cNvPr id="69" name="PlaceHolder 3"/>
+          <p:cNvPr id="67" name="PlaceHolder 3"/>
           <p:cNvSpPr>
             <a:spLocks noGrp="1"/>
           </p:cNvSpPr>
@@ -1587,7 +1601,7 @@
       </p:grpSpPr>
       <p:sp>
         <p:nvSpPr>
-          <p:cNvPr id="5" name="PlaceHolder 1"/>
+          <p:cNvPr id="4" name="PlaceHolder 1"/>
           <p:cNvSpPr>
             <a:spLocks noGrp="1"/>
           </p:cNvSpPr>
@@ -1598,7 +1612,7 @@
         <p:spPr>
           <a:xfrm>
             <a:off x="685800" y="1583280"/>
-            <a:ext cx="7772040" cy="1159920"/>
+            <a:ext cx="7771680" cy="1159920"/>
           </a:xfrm>
           <a:prstGeom prst="rect">
             <a:avLst/>
@@ -1607,13 +1621,14 @@
         <p:txBody>
           <a:bodyPr anchor="ctr" bIns="0" lIns="0" rIns="0" tIns="0" wrap="none"/>
           <a:p>
-            <a:endParaRPr/>
-          </a:p>
-        </p:txBody>
-      </p:sp>
-      <p:sp>
-        <p:nvSpPr>
-          <p:cNvPr id="6" name="PlaceHolder 2"/>
+            <a:pPr algn="ctr"/>
+            <a:endParaRPr/>
+          </a:p>
+        </p:txBody>
+      </p:sp>
+      <p:sp>
+        <p:nvSpPr>
+          <p:cNvPr id="5" name="PlaceHolder 2"/>
           <p:cNvSpPr>
             <a:spLocks noGrp="1"/>
           </p:cNvSpPr>
@@ -1661,7 +1676,7 @@
       </p:grpSpPr>
       <p:sp>
         <p:nvSpPr>
-          <p:cNvPr id="7" name="PlaceHolder 1"/>
+          <p:cNvPr id="6" name="PlaceHolder 1"/>
           <p:cNvSpPr>
             <a:spLocks noGrp="1"/>
           </p:cNvSpPr>
@@ -1672,7 +1687,7 @@
         <p:spPr>
           <a:xfrm>
             <a:off x="685800" y="1583280"/>
-            <a:ext cx="7772040" cy="1159920"/>
+            <a:ext cx="7771680" cy="1159920"/>
           </a:xfrm>
           <a:prstGeom prst="rect">
             <a:avLst/>
@@ -1681,13 +1696,14 @@
         <p:txBody>
           <a:bodyPr anchor="ctr" bIns="0" lIns="0" rIns="0" tIns="0" wrap="none"/>
           <a:p>
-            <a:endParaRPr/>
-          </a:p>
-        </p:txBody>
-      </p:sp>
-      <p:sp>
-        <p:nvSpPr>
-          <p:cNvPr id="8" name="PlaceHolder 2"/>
+            <a:pPr algn="ctr"/>
+            <a:endParaRPr/>
+          </a:p>
+        </p:txBody>
+      </p:sp>
+      <p:sp>
+        <p:nvSpPr>
+          <p:cNvPr id="7" name="PlaceHolder 2"/>
           <p:cNvSpPr>
             <a:spLocks noGrp="1"/>
           </p:cNvSpPr>
@@ -1713,7 +1729,7 @@
       </p:sp>
       <p:sp>
         <p:nvSpPr>
-          <p:cNvPr id="9" name="PlaceHolder 3"/>
+          <p:cNvPr id="8" name="PlaceHolder 3"/>
           <p:cNvSpPr>
             <a:spLocks noGrp="1"/>
           </p:cNvSpPr>
@@ -1761,7 +1777,7 @@
       </p:grpSpPr>
       <p:sp>
         <p:nvSpPr>
-          <p:cNvPr id="10" name="PlaceHolder 1"/>
+          <p:cNvPr id="9" name="PlaceHolder 1"/>
           <p:cNvSpPr>
             <a:spLocks noGrp="1"/>
           </p:cNvSpPr>
@@ -1772,7 +1788,7 @@
         <p:spPr>
           <a:xfrm>
             <a:off x="685800" y="1583280"/>
-            <a:ext cx="7772040" cy="1159920"/>
+            <a:ext cx="7771680" cy="1159920"/>
           </a:xfrm>
           <a:prstGeom prst="rect">
             <a:avLst/>
@@ -1781,6 +1797,7 @@
         <p:txBody>
           <a:bodyPr anchor="ctr" bIns="0" lIns="0" rIns="0" tIns="0" wrap="none"/>
           <a:p>
+            <a:pPr algn="ctr"/>
             <a:endParaRPr/>
           </a:p>
         </p:txBody>
@@ -1809,7 +1826,7 @@
       </p:grpSpPr>
       <p:sp>
         <p:nvSpPr>
-          <p:cNvPr id="11" name="PlaceHolder 1"/>
+          <p:cNvPr id="10" name="PlaceHolder 1"/>
           <p:cNvSpPr>
             <a:spLocks noGrp="1"/>
           </p:cNvSpPr>
@@ -1820,7 +1837,7 @@
         <p:spPr>
           <a:xfrm>
             <a:off x="685800" y="1583280"/>
-            <a:ext cx="7772040" cy="2603160"/>
+            <a:ext cx="7771680" cy="2603160"/>
           </a:xfrm>
           <a:prstGeom prst="rect">
             <a:avLst/>
@@ -1858,7 +1875,7 @@
       </p:grpSpPr>
       <p:sp>
         <p:nvSpPr>
-          <p:cNvPr id="12" name="PlaceHolder 1"/>
+          <p:cNvPr id="11" name="PlaceHolder 1"/>
           <p:cNvSpPr>
             <a:spLocks noGrp="1"/>
           </p:cNvSpPr>
@@ -1869,7 +1886,7 @@
         <p:spPr>
           <a:xfrm>
             <a:off x="685800" y="1583280"/>
-            <a:ext cx="7772040" cy="1159920"/>
+            <a:ext cx="7771680" cy="1159920"/>
           </a:xfrm>
           <a:prstGeom prst="rect">
             <a:avLst/>
@@ -1878,13 +1895,14 @@
         <p:txBody>
           <a:bodyPr anchor="ctr" bIns="0" lIns="0" rIns="0" tIns="0" wrap="none"/>
           <a:p>
-            <a:endParaRPr/>
-          </a:p>
-        </p:txBody>
-      </p:sp>
-      <p:sp>
-        <p:nvSpPr>
-          <p:cNvPr id="13" name="PlaceHolder 2"/>
+            <a:pPr algn="ctr"/>
+            <a:endParaRPr/>
+          </a:p>
+        </p:txBody>
+      </p:sp>
+      <p:sp>
+        <p:nvSpPr>
+          <p:cNvPr id="12" name="PlaceHolder 2"/>
           <p:cNvSpPr>
             <a:spLocks noGrp="1"/>
           </p:cNvSpPr>
@@ -1910,7 +1928,7 @@
       </p:sp>
       <p:sp>
         <p:nvSpPr>
-          <p:cNvPr id="14" name="PlaceHolder 3"/>
+          <p:cNvPr id="13" name="PlaceHolder 3"/>
           <p:cNvSpPr>
             <a:spLocks noGrp="1"/>
           </p:cNvSpPr>
@@ -1936,7 +1954,7 @@
       </p:sp>
       <p:sp>
         <p:nvSpPr>
-          <p:cNvPr id="15" name="PlaceHolder 4"/>
+          <p:cNvPr id="14" name="PlaceHolder 4"/>
           <p:cNvSpPr>
             <a:spLocks noGrp="1"/>
           </p:cNvSpPr>
@@ -1984,7 +2002,7 @@
       </p:grpSpPr>
       <p:sp>
         <p:nvSpPr>
-          <p:cNvPr id="16" name="PlaceHolder 1"/>
+          <p:cNvPr id="15" name="PlaceHolder 1"/>
           <p:cNvSpPr>
             <a:spLocks noGrp="1"/>
           </p:cNvSpPr>
@@ -1995,7 +2013,7 @@
         <p:spPr>
           <a:xfrm>
             <a:off x="685800" y="1583280"/>
-            <a:ext cx="7772040" cy="1159920"/>
+            <a:ext cx="7771680" cy="1159920"/>
           </a:xfrm>
           <a:prstGeom prst="rect">
             <a:avLst/>
@@ -2004,13 +2022,14 @@
         <p:txBody>
           <a:bodyPr anchor="ctr" bIns="0" lIns="0" rIns="0" tIns="0" wrap="none"/>
           <a:p>
-            <a:endParaRPr/>
-          </a:p>
-        </p:txBody>
-      </p:sp>
-      <p:sp>
-        <p:nvSpPr>
-          <p:cNvPr id="17" name="PlaceHolder 2"/>
+            <a:pPr algn="ctr"/>
+            <a:endParaRPr/>
+          </a:p>
+        </p:txBody>
+      </p:sp>
+      <p:sp>
+        <p:nvSpPr>
+          <p:cNvPr id="16" name="PlaceHolder 2"/>
           <p:cNvSpPr>
             <a:spLocks noGrp="1"/>
           </p:cNvSpPr>
@@ -2036,7 +2055,7 @@
       </p:sp>
       <p:sp>
         <p:nvSpPr>
-          <p:cNvPr id="18" name="PlaceHolder 3"/>
+          <p:cNvPr id="17" name="PlaceHolder 3"/>
           <p:cNvSpPr>
             <a:spLocks noGrp="1"/>
           </p:cNvSpPr>
@@ -2062,7 +2081,7 @@
       </p:sp>
       <p:sp>
         <p:nvSpPr>
-          <p:cNvPr id="19" name="PlaceHolder 4"/>
+          <p:cNvPr id="18" name="PlaceHolder 4"/>
           <p:cNvSpPr>
             <a:spLocks noGrp="1"/>
           </p:cNvSpPr>
@@ -2110,7 +2129,7 @@
       </p:grpSpPr>
       <p:sp>
         <p:nvSpPr>
-          <p:cNvPr id="20" name="PlaceHolder 1"/>
+          <p:cNvPr id="19" name="PlaceHolder 1"/>
           <p:cNvSpPr>
             <a:spLocks noGrp="1"/>
           </p:cNvSpPr>
@@ -2121,7 +2140,7 @@
         <p:spPr>
           <a:xfrm>
             <a:off x="685800" y="1583280"/>
-            <a:ext cx="7772040" cy="1159920"/>
+            <a:ext cx="7771680" cy="1159920"/>
           </a:xfrm>
           <a:prstGeom prst="rect">
             <a:avLst/>
@@ -2130,13 +2149,14 @@
         <p:txBody>
           <a:bodyPr anchor="ctr" bIns="0" lIns="0" rIns="0" tIns="0" wrap="none"/>
           <a:p>
-            <a:endParaRPr/>
-          </a:p>
-        </p:txBody>
-      </p:sp>
-      <p:sp>
-        <p:nvSpPr>
-          <p:cNvPr id="21" name="PlaceHolder 2"/>
+            <a:pPr algn="ctr"/>
+            <a:endParaRPr/>
+          </a:p>
+        </p:txBody>
+      </p:sp>
+      <p:sp>
+        <p:nvSpPr>
+          <p:cNvPr id="20" name="PlaceHolder 2"/>
           <p:cNvSpPr>
             <a:spLocks noGrp="1"/>
           </p:cNvSpPr>
@@ -2162,7 +2182,7 @@
       </p:sp>
       <p:sp>
         <p:nvSpPr>
-          <p:cNvPr id="22" name="PlaceHolder 3"/>
+          <p:cNvPr id="21" name="PlaceHolder 3"/>
           <p:cNvSpPr>
             <a:spLocks noGrp="1"/>
           </p:cNvSpPr>
@@ -2188,7 +2208,7 @@
       </p:sp>
       <p:sp>
         <p:nvSpPr>
-          <p:cNvPr id="23" name="PlaceHolder 4"/>
+          <p:cNvPr id="22" name="PlaceHolder 4"/>
           <p:cNvSpPr>
             <a:spLocks noGrp="1"/>
           </p:cNvSpPr>
@@ -2247,28 +2267,17 @@
         <p:spPr>
           <a:xfrm>
             <a:off x="685800" y="1583280"/>
-            <a:ext cx="7772040" cy="1159560"/>
-          </a:xfrm>
-          <a:prstGeom prst="rect">
-            <a:avLst/>
-          </a:prstGeom>
-        </p:spPr>
-        <p:txBody>
-          <a:bodyPr anchor="b" bIns="91440" tIns="91440"/>
-          <a:p>
-            <a:pPr>
-              <a:lnSpc>
-                <a:spcPct val="100000"/>
-              </a:lnSpc>
-            </a:pPr>
-            <a:r>
-              <a:rPr b="1" lang="pt-BR" sz="4800">
-                <a:solidFill>
-                  <a:srgbClr val="000000"/>
-                </a:solidFill>
-                <a:latin typeface="Arial"/>
-                <a:ea typeface="Arial"/>
-              </a:rPr>
+            <a:ext cx="7771680" cy="1159560"/>
+          </a:xfrm>
+          <a:prstGeom prst="rect">
+            <a:avLst/>
+          </a:prstGeom>
+        </p:spPr>
+        <p:txBody>
+          <a:bodyPr anchor="ctr" bIns="0" lIns="0" rIns="0" tIns="0" wrap="none"/>
+          <a:p>
+            <a:r>
+              <a:rPr lang="pt-BR"/>
               <a:t>Clique para editar o formato do texto do título</a:t>
             </a:r>
             <a:endParaRPr/>
@@ -2278,47 +2287,6 @@
       <p:sp>
         <p:nvSpPr>
           <p:cNvPr id="1" name="PlaceHolder 2"/>
-          <p:cNvSpPr>
-            <a:spLocks noGrp="1"/>
-          </p:cNvSpPr>
-          <p:nvPr>
-            <p:ph type="sldNum"/>
-          </p:nvPr>
-        </p:nvSpPr>
-        <p:spPr>
-          <a:xfrm>
-            <a:off x="8556840" y="4749840"/>
-            <a:ext cx="548280" cy="393120"/>
-          </a:xfrm>
-          <a:prstGeom prst="rect">
-            <a:avLst/>
-          </a:prstGeom>
-        </p:spPr>
-        <p:txBody>
-          <a:bodyPr anchor="ctr" bIns="91440" tIns="91440"/>
-          <a:p>
-            <a:pPr>
-              <a:lnSpc>
-                <a:spcPct val="100000"/>
-              </a:lnSpc>
-            </a:pPr>
-            <a:fld id="{01417141-71C1-41E1-B181-2191114111B1}" type="slidenum">
-              <a:rPr lang="pt-BR" sz="1300">
-                <a:solidFill>
-                  <a:srgbClr val="000000"/>
-                </a:solidFill>
-                <a:latin typeface="Arial"/>
-                <a:ea typeface="Arial"/>
-              </a:rPr>
-              <a:t>&lt;número&gt;</a:t>
-            </a:fld>
-            <a:endParaRPr/>
-          </a:p>
-        </p:txBody>
-      </p:sp>
-      <p:sp>
-        <p:nvSpPr>
-          <p:cNvPr id="2" name="PlaceHolder 3"/>
           <p:cNvSpPr>
             <a:spLocks noGrp="1"/>
           </p:cNvSpPr>
@@ -2462,7 +2430,7 @@
       </p:grpSpPr>
       <p:sp>
         <p:nvSpPr>
-          <p:cNvPr id="35" name="PlaceHolder 1"/>
+          <p:cNvPr id="34" name="PlaceHolder 1"/>
           <p:cNvSpPr>
             <a:spLocks noGrp="1"/>
           </p:cNvSpPr>
@@ -2472,29 +2440,18 @@
         </p:nvSpPr>
         <p:spPr>
           <a:xfrm>
-            <a:off x="457200" y="205920"/>
-            <a:ext cx="8229240" cy="857160"/>
-          </a:xfrm>
-          <a:prstGeom prst="rect">
-            <a:avLst/>
-          </a:prstGeom>
-        </p:spPr>
-        <p:txBody>
-          <a:bodyPr anchor="b" bIns="91440" tIns="91440"/>
-          <a:p>
-            <a:pPr>
-              <a:lnSpc>
-                <a:spcPct val="100000"/>
-              </a:lnSpc>
-            </a:pPr>
-            <a:r>
-              <a:rPr b="1" lang="pt-BR" sz="3600">
-                <a:solidFill>
-                  <a:srgbClr val="000000"/>
-                </a:solidFill>
-                <a:latin typeface="Arial"/>
-                <a:ea typeface="Arial"/>
-              </a:rPr>
+            <a:off x="685800" y="1583280"/>
+            <a:ext cx="7771680" cy="1159560"/>
+          </a:xfrm>
+          <a:prstGeom prst="rect">
+            <a:avLst/>
+          </a:prstGeom>
+        </p:spPr>
+        <p:txBody>
+          <a:bodyPr anchor="ctr" bIns="0" lIns="0" rIns="0" tIns="0" wrap="none"/>
+          <a:p>
+            <a:r>
+              <a:rPr lang="pt-BR"/>
               <a:t>Clique para editar o formato do texto do título</a:t>
             </a:r>
             <a:endParaRPr/>
@@ -2503,7 +2460,7 @@
       </p:sp>
       <p:sp>
         <p:nvSpPr>
-          <p:cNvPr id="36" name="PlaceHolder 2"/>
+          <p:cNvPr id="35" name="PlaceHolder 2"/>
           <p:cNvSpPr>
             <a:spLocks noGrp="1"/>
           </p:cNvSpPr>
@@ -2513,198 +2470,92 @@
         </p:nvSpPr>
         <p:spPr>
           <a:xfrm>
-            <a:off x="457200" y="1200240"/>
-            <a:ext cx="8229240" cy="3725280"/>
-          </a:xfrm>
-          <a:prstGeom prst="rect">
-            <a:avLst/>
-          </a:prstGeom>
-        </p:spPr>
-        <p:txBody>
-          <a:bodyPr bIns="91440" tIns="91440"/>
-          <a:p>
-            <a:pPr>
-              <a:lnSpc>
-                <a:spcPct val="100000"/>
-              </a:lnSpc>
-            </a:pPr>
-            <a:r>
-              <a:rPr lang="pt-BR" sz="3000">
-                <a:solidFill>
-                  <a:srgbClr val="000000"/>
-                </a:solidFill>
-                <a:latin typeface="Arial"/>
-                <a:ea typeface="Arial"/>
-              </a:rPr>
+            <a:off x="457200" y="1203480"/>
+            <a:ext cx="8046000" cy="2982600"/>
+          </a:xfrm>
+          <a:prstGeom prst="rect">
+            <a:avLst/>
+          </a:prstGeom>
+        </p:spPr>
+        <p:txBody>
+          <a:bodyPr bIns="0" lIns="0" rIns="0" tIns="0" wrap="none"/>
+          <a:p>
+            <a:r>
+              <a:rPr lang="pt-BR"/>
               <a:t>Clique para editar o formato do texto da estrutura de tópicos</a:t>
             </a:r>
             <a:endParaRPr/>
           </a:p>
           <a:p>
             <a:pPr lvl="1">
-              <a:lnSpc>
-                <a:spcPct val="100000"/>
-              </a:lnSpc>
               <a:buSzPct val="75000"/>
               <a:buFont typeface="StarSymbol"/>
               <a:buChar char=""/>
             </a:pPr>
             <a:r>
-              <a:rPr lang="pt-BR" sz="3000">
-                <a:solidFill>
-                  <a:srgbClr val="000000"/>
-                </a:solidFill>
-                <a:latin typeface="Arial"/>
-                <a:ea typeface="Arial"/>
-              </a:rPr>
+              <a:rPr lang="pt-BR"/>
               <a:t>2.º Nível da estrutura de tópicos</a:t>
             </a:r>
             <a:endParaRPr/>
           </a:p>
           <a:p>
             <a:pPr lvl="2">
-              <a:lnSpc>
-                <a:spcPct val="100000"/>
-              </a:lnSpc>
               <a:buSzPct val="45000"/>
               <a:buFont typeface="StarSymbol"/>
               <a:buChar char=""/>
             </a:pPr>
             <a:r>
-              <a:rPr lang="pt-BR" sz="3000">
-                <a:solidFill>
-                  <a:srgbClr val="000000"/>
-                </a:solidFill>
-                <a:latin typeface="Arial"/>
-                <a:ea typeface="Arial"/>
-              </a:rPr>
+              <a:rPr lang="pt-BR"/>
               <a:t>3.º Nível da estrutura de tópicos</a:t>
             </a:r>
             <a:endParaRPr/>
           </a:p>
           <a:p>
             <a:pPr lvl="3">
-              <a:lnSpc>
-                <a:spcPct val="100000"/>
-              </a:lnSpc>
               <a:buSzPct val="75000"/>
               <a:buFont typeface="StarSymbol"/>
               <a:buChar char=""/>
             </a:pPr>
             <a:r>
-              <a:rPr lang="pt-BR" sz="3000">
-                <a:solidFill>
-                  <a:srgbClr val="000000"/>
-                </a:solidFill>
-                <a:latin typeface="Arial"/>
-                <a:ea typeface="Arial"/>
-              </a:rPr>
+              <a:rPr lang="pt-BR"/>
               <a:t>4.º Nível da estrutura de tópicos</a:t>
             </a:r>
             <a:endParaRPr/>
           </a:p>
           <a:p>
             <a:pPr lvl="4">
-              <a:lnSpc>
-                <a:spcPct val="100000"/>
-              </a:lnSpc>
               <a:buSzPct val="45000"/>
               <a:buFont typeface="StarSymbol"/>
               <a:buChar char=""/>
             </a:pPr>
             <a:r>
-              <a:rPr lang="pt-BR" sz="3000">
-                <a:solidFill>
-                  <a:srgbClr val="000000"/>
-                </a:solidFill>
-                <a:latin typeface="Arial"/>
-                <a:ea typeface="Arial"/>
-              </a:rPr>
+              <a:rPr lang="pt-BR"/>
               <a:t>5.º Nível da estrutura de tópicos</a:t>
             </a:r>
             <a:endParaRPr/>
           </a:p>
           <a:p>
             <a:pPr lvl="5">
-              <a:lnSpc>
-                <a:spcPct val="100000"/>
-              </a:lnSpc>
               <a:buSzPct val="45000"/>
               <a:buFont typeface="StarSymbol"/>
               <a:buChar char=""/>
             </a:pPr>
             <a:r>
-              <a:rPr lang="pt-BR" sz="3000">
-                <a:solidFill>
-                  <a:srgbClr val="000000"/>
-                </a:solidFill>
-                <a:latin typeface="Arial"/>
-                <a:ea typeface="Arial"/>
-              </a:rPr>
+              <a:rPr lang="pt-BR"/>
               <a:t>6.º Nível da estrutura de tópicos</a:t>
             </a:r>
             <a:endParaRPr/>
           </a:p>
           <a:p>
             <a:pPr lvl="6">
-              <a:lnSpc>
-                <a:spcPct val="100000"/>
-              </a:lnSpc>
               <a:buSzPct val="45000"/>
               <a:buFont typeface="StarSymbol"/>
               <a:buChar char=""/>
             </a:pPr>
             <a:r>
-              <a:rPr lang="pt-BR" sz="3000">
-                <a:solidFill>
-                  <a:srgbClr val="000000"/>
-                </a:solidFill>
-                <a:latin typeface="Arial"/>
-                <a:ea typeface="Arial"/>
-              </a:rPr>
+              <a:rPr lang="pt-BR"/>
               <a:t>7.º Nível da estrutura de tópicos</a:t>
             </a:r>
-            <a:endParaRPr/>
-          </a:p>
-        </p:txBody>
-      </p:sp>
-      <p:sp>
-        <p:nvSpPr>
-          <p:cNvPr id="37" name="PlaceHolder 3"/>
-          <p:cNvSpPr>
-            <a:spLocks noGrp="1"/>
-          </p:cNvSpPr>
-          <p:nvPr>
-            <p:ph type="sldNum"/>
-          </p:nvPr>
-        </p:nvSpPr>
-        <p:spPr>
-          <a:xfrm>
-            <a:off x="8556840" y="4749840"/>
-            <a:ext cx="548280" cy="393120"/>
-          </a:xfrm>
-          <a:prstGeom prst="rect">
-            <a:avLst/>
-          </a:prstGeom>
-        </p:spPr>
-        <p:txBody>
-          <a:bodyPr anchor="ctr" bIns="91440" tIns="91440"/>
-          <a:p>
-            <a:pPr>
-              <a:lnSpc>
-                <a:spcPct val="100000"/>
-              </a:lnSpc>
-            </a:pPr>
-            <a:fld id="{11B13101-C1D1-4101-9101-6151F1A1E131}" type="slidenum">
-              <a:rPr lang="pt-BR" sz="1300">
-                <a:solidFill>
-                  <a:srgbClr val="000000"/>
-                </a:solidFill>
-                <a:latin typeface="Arial"/>
-                <a:ea typeface="Arial"/>
-              </a:rPr>
-              <a:t>&lt;número&gt;</a:t>
-            </a:fld>
             <a:endParaRPr/>
           </a:p>
         </p:txBody>
@@ -2748,21 +2599,21 @@
       </p:grpSpPr>
       <p:sp>
         <p:nvSpPr>
-          <p:cNvPr id="70" name="TextShape 1"/>
-          <p:cNvSpPr txBox="1"/>
+          <p:cNvPr id="68" name="CustomShape 1"/>
+          <p:cNvSpPr/>
           <p:nvPr/>
         </p:nvSpPr>
         <p:spPr>
           <a:xfrm>
             <a:off x="685800" y="1583280"/>
-            <a:ext cx="7772040" cy="1159560"/>
-          </a:xfrm>
-          <a:prstGeom prst="rect">
-            <a:avLst/>
-          </a:prstGeom>
-        </p:spPr>
-        <p:txBody>
-          <a:bodyPr anchor="b" bIns="91440" tIns="91440"/>
+            <a:ext cx="7771680" cy="1159200"/>
+          </a:xfrm>
+          <a:prstGeom prst="rect">
+            <a:avLst/>
+          </a:prstGeom>
+        </p:spPr>
+        <p:txBody>
+          <a:bodyPr anchor="b" bIns="91440" lIns="90000" rIns="90000" tIns="91440"/>
           <a:p>
             <a:pPr algn="ctr">
               <a:lnSpc>
@@ -2785,21 +2636,21 @@
       </p:sp>
       <p:sp>
         <p:nvSpPr>
-          <p:cNvPr id="71" name="TextShape 2"/>
-          <p:cNvSpPr txBox="1"/>
+          <p:cNvPr id="69" name="CustomShape 2"/>
+          <p:cNvSpPr/>
           <p:nvPr/>
         </p:nvSpPr>
         <p:spPr>
           <a:xfrm>
             <a:off x="685800" y="2840040"/>
-            <a:ext cx="7772040" cy="784440"/>
-          </a:xfrm>
-          <a:prstGeom prst="rect">
-            <a:avLst/>
-          </a:prstGeom>
-        </p:spPr>
-        <p:txBody>
-          <a:bodyPr bIns="91440" tIns="91440"/>
+            <a:ext cx="7771680" cy="784080"/>
+          </a:xfrm>
+          <a:prstGeom prst="rect">
+            <a:avLst/>
+          </a:prstGeom>
+        </p:spPr>
+        <p:txBody>
+          <a:bodyPr bIns="91440" lIns="90000" rIns="90000" tIns="91440"/>
           <a:p>
             <a:pPr algn="ctr">
               <a:lnSpc>
@@ -2873,21 +2724,21 @@
       </p:grpSpPr>
       <p:sp>
         <p:nvSpPr>
-          <p:cNvPr id="72" name="TextShape 1"/>
-          <p:cNvSpPr txBox="1"/>
+          <p:cNvPr id="70" name="CustomShape 1"/>
+          <p:cNvSpPr/>
           <p:nvPr/>
         </p:nvSpPr>
         <p:spPr>
           <a:xfrm>
             <a:off x="509040" y="81720"/>
-            <a:ext cx="8229240" cy="857160"/>
-          </a:xfrm>
-          <a:prstGeom prst="rect">
-            <a:avLst/>
-          </a:prstGeom>
-        </p:spPr>
-        <p:txBody>
-          <a:bodyPr anchor="b" bIns="91440" tIns="91440"/>
+            <a:ext cx="8228880" cy="856800"/>
+          </a:xfrm>
+          <a:prstGeom prst="rect">
+            <a:avLst/>
+          </a:prstGeom>
+        </p:spPr>
+        <p:txBody>
+          <a:bodyPr anchor="b" bIns="91440" lIns="90000" rIns="90000" tIns="91440"/>
           <a:p>
             <a:pPr>
               <a:lnSpc>
@@ -2910,21 +2761,21 @@
       </p:sp>
       <p:sp>
         <p:nvSpPr>
-          <p:cNvPr id="73" name="TextShape 2"/>
-          <p:cNvSpPr txBox="1"/>
+          <p:cNvPr id="71" name="CustomShape 2"/>
+          <p:cNvSpPr/>
           <p:nvPr/>
         </p:nvSpPr>
         <p:spPr>
           <a:xfrm>
             <a:off x="509040" y="889560"/>
-            <a:ext cx="8318520" cy="4212000"/>
-          </a:xfrm>
-          <a:prstGeom prst="rect">
-            <a:avLst/>
-          </a:prstGeom>
-        </p:spPr>
-        <p:txBody>
-          <a:bodyPr bIns="91440" tIns="91440"/>
+            <a:ext cx="8318160" cy="4211640"/>
+          </a:xfrm>
+          <a:prstGeom prst="rect">
+            <a:avLst/>
+          </a:prstGeom>
+        </p:spPr>
+        <p:txBody>
+          <a:bodyPr bIns="91440" lIns="90000" rIns="90000" tIns="91440"/>
           <a:p>
             <a:pPr>
               <a:lnSpc>
@@ -2964,7 +2815,7 @@
               <a:buChar char="-"/>
             </a:pPr>
             <a:r>
-              <a:rPr lang="pt-BR">
+              <a:rPr lang="pt-BR" sz="2400">
                 <a:solidFill>
                   <a:srgbClr val="000000"/>
                 </a:solidFill>
@@ -3012,7 +2863,7 @@
               <a:buChar char="-"/>
             </a:pPr>
             <a:r>
-              <a:rPr lang="pt-BR">
+              <a:rPr lang="pt-BR" sz="2400">
                 <a:solidFill>
                   <a:srgbClr val="000000"/>
                 </a:solidFill>
@@ -3060,7 +2911,7 @@
               <a:buChar char="-"/>
             </a:pPr>
             <a:r>
-              <a:rPr lang="pt-BR">
+              <a:rPr lang="pt-BR" sz="2400">
                 <a:solidFill>
                   <a:srgbClr val="000000"/>
                 </a:solidFill>
@@ -3108,7 +2959,7 @@
               <a:buChar char="-"/>
             </a:pPr>
             <a:r>
-              <a:rPr lang="pt-BR" u="sng">
+              <a:rPr lang="pt-BR" sz="2400" u="sng">
                 <a:solidFill>
                   <a:srgbClr val="1155cc"/>
                 </a:solidFill>
@@ -3124,6 +2975,35 @@
       </p:sp>
     </p:spTree>
   </p:cSld>
+  <p:timing>
+    <p:tnLst>
+      <p:par>
+        <p:cTn dur="indefinite" id="3" nodeType="tmRoot" restart="never">
+          <p:childTnLst>
+            <p:seq>
+              <p:cTn id="4" nodeType="mainSeq">
+                <p:childTnLst/>
+              </p:cTn>
+              <p:prevCondLst>
+                <p:cond delay="0" evt="onPrev">
+                  <p:tgtEl>
+                    <p:sldTgt/>
+                  </p:tgtEl>
+                </p:cond>
+              </p:prevCondLst>
+              <p:nextCondLst>
+                <p:cond delay="0" evt="onNext">
+                  <p:tgtEl>
+                    <p:sldTgt/>
+                  </p:tgtEl>
+                </p:cond>
+              </p:nextCondLst>
+            </p:seq>
+          </p:childTnLst>
+        </p:cTn>
+      </p:par>
+    </p:tnLst>
+  </p:timing>
 </p:sld>
 </file>
 
@@ -3146,21 +3026,21 @@
       </p:grpSpPr>
       <p:sp>
         <p:nvSpPr>
-          <p:cNvPr id="74" name="TextShape 1"/>
-          <p:cNvSpPr txBox="1"/>
+          <p:cNvPr id="72" name="CustomShape 1"/>
+          <p:cNvSpPr/>
           <p:nvPr/>
         </p:nvSpPr>
         <p:spPr>
           <a:xfrm>
             <a:off x="509040" y="81720"/>
-            <a:ext cx="8229240" cy="857160"/>
-          </a:xfrm>
-          <a:prstGeom prst="rect">
-            <a:avLst/>
-          </a:prstGeom>
-        </p:spPr>
-        <p:txBody>
-          <a:bodyPr anchor="b" bIns="91440" tIns="91440"/>
+            <a:ext cx="8228880" cy="856800"/>
+          </a:xfrm>
+          <a:prstGeom prst="rect">
+            <a:avLst/>
+          </a:prstGeom>
+        </p:spPr>
+        <p:txBody>
+          <a:bodyPr anchor="b" bIns="91440" lIns="90000" rIns="90000" tIns="91440"/>
           <a:p>
             <a:pPr>
               <a:lnSpc>
@@ -3183,21 +3063,21 @@
       </p:sp>
       <p:sp>
         <p:nvSpPr>
-          <p:cNvPr id="75" name="TextShape 2"/>
-          <p:cNvSpPr txBox="1"/>
+          <p:cNvPr id="73" name="CustomShape 2"/>
+          <p:cNvSpPr/>
           <p:nvPr/>
         </p:nvSpPr>
         <p:spPr>
           <a:xfrm>
             <a:off x="509040" y="889560"/>
-            <a:ext cx="8318520" cy="4212000"/>
-          </a:xfrm>
-          <a:prstGeom prst="rect">
-            <a:avLst/>
-          </a:prstGeom>
-        </p:spPr>
-        <p:txBody>
-          <a:bodyPr bIns="91440" tIns="91440"/>
+            <a:ext cx="8318160" cy="4211640"/>
+          </a:xfrm>
+          <a:prstGeom prst="rect">
+            <a:avLst/>
+          </a:prstGeom>
+        </p:spPr>
+        <p:txBody>
+          <a:bodyPr bIns="91440" lIns="90000" rIns="90000" tIns="91440"/>
           <a:p>
             <a:pPr>
               <a:lnSpc>
@@ -3237,7 +3117,7 @@
               <a:buChar char="-"/>
             </a:pPr>
             <a:r>
-              <a:rPr lang="pt-BR">
+              <a:rPr lang="pt-BR" sz="2400">
                 <a:solidFill>
                   <a:srgbClr val="000000"/>
                 </a:solidFill>
@@ -3285,7 +3165,7 @@
               <a:buChar char="-"/>
             </a:pPr>
             <a:r>
-              <a:rPr lang="pt-BR">
+              <a:rPr lang="pt-BR" sz="2400">
                 <a:solidFill>
                   <a:srgbClr val="000000"/>
                 </a:solidFill>
@@ -3333,7 +3213,7 @@
               <a:buChar char="-"/>
             </a:pPr>
             <a:r>
-              <a:rPr lang="pt-BR">
+              <a:rPr lang="pt-BR" sz="2400">
                 <a:solidFill>
                   <a:srgbClr val="000000"/>
                 </a:solidFill>
@@ -3381,7 +3261,7 @@
               <a:buChar char="-"/>
             </a:pPr>
             <a:r>
-              <a:rPr lang="pt-BR">
+              <a:rPr lang="pt-BR" sz="2400">
                 <a:solidFill>
                   <a:srgbClr val="000000"/>
                 </a:solidFill>
@@ -3391,7 +3271,7 @@
               <a:t>Utilizado a ferramenta </a:t>
             </a:r>
             <a:r>
-              <a:rPr lang="pt-BR">
+              <a:rPr lang="pt-BR" sz="2400">
                 <a:solidFill>
                   <a:srgbClr val="262626"/>
                 </a:solidFill>
@@ -3414,6 +3294,35 @@
       </p:sp>
     </p:spTree>
   </p:cSld>
+  <p:timing>
+    <p:tnLst>
+      <p:par>
+        <p:cTn dur="indefinite" id="5" nodeType="tmRoot" restart="never">
+          <p:childTnLst>
+            <p:seq>
+              <p:cTn id="6" nodeType="mainSeq">
+                <p:childTnLst/>
+              </p:cTn>
+              <p:prevCondLst>
+                <p:cond delay="0" evt="onPrev">
+                  <p:tgtEl>
+                    <p:sldTgt/>
+                  </p:tgtEl>
+                </p:cond>
+              </p:prevCondLst>
+              <p:nextCondLst>
+                <p:cond delay="0" evt="onNext">
+                  <p:tgtEl>
+                    <p:sldTgt/>
+                  </p:tgtEl>
+                </p:cond>
+              </p:nextCondLst>
+            </p:seq>
+          </p:childTnLst>
+        </p:cTn>
+      </p:par>
+    </p:tnLst>
+  </p:timing>
 </p:sld>
 </file>
 
@@ -3436,21 +3345,21 @@
       </p:grpSpPr>
       <p:sp>
         <p:nvSpPr>
-          <p:cNvPr id="76" name="TextShape 1"/>
-          <p:cNvSpPr txBox="1"/>
+          <p:cNvPr id="74" name="CustomShape 1"/>
+          <p:cNvSpPr/>
           <p:nvPr/>
         </p:nvSpPr>
         <p:spPr>
           <a:xfrm>
             <a:off x="374400" y="0"/>
-            <a:ext cx="8229240" cy="641160"/>
-          </a:xfrm>
-          <a:prstGeom prst="rect">
-            <a:avLst/>
-          </a:prstGeom>
-        </p:spPr>
-        <p:txBody>
-          <a:bodyPr anchor="b" bIns="91440" tIns="91440"/>
+            <a:ext cx="8228880" cy="640800"/>
+          </a:xfrm>
+          <a:prstGeom prst="rect">
+            <a:avLst/>
+          </a:prstGeom>
+        </p:spPr>
+        <p:txBody>
+          <a:bodyPr anchor="b" bIns="91440" lIns="90000" rIns="90000" tIns="91440"/>
           <a:p>
             <a:pPr>
               <a:lnSpc>
@@ -3473,21 +3382,21 @@
       </p:sp>
       <p:sp>
         <p:nvSpPr>
-          <p:cNvPr id="77" name="TextShape 2"/>
-          <p:cNvSpPr txBox="1"/>
+          <p:cNvPr id="75" name="CustomShape 2"/>
+          <p:cNvSpPr/>
           <p:nvPr/>
         </p:nvSpPr>
         <p:spPr>
           <a:xfrm>
             <a:off x="457200" y="403560"/>
-            <a:ext cx="8229240" cy="4636080"/>
-          </a:xfrm>
-          <a:prstGeom prst="rect">
-            <a:avLst/>
-          </a:prstGeom>
-        </p:spPr>
-        <p:txBody>
-          <a:bodyPr bIns="91440" tIns="91440"/>
+            <a:ext cx="8228880" cy="4635720"/>
+          </a:xfrm>
+          <a:prstGeom prst="rect">
+            <a:avLst/>
+          </a:prstGeom>
+        </p:spPr>
+        <p:txBody>
+          <a:bodyPr bIns="91440" lIns="90000" rIns="90000" tIns="91440"/>
           <a:p>
             <a:pPr>
               <a:lnSpc>
@@ -3517,7 +3426,7 @@
               <a:buChar char="-"/>
             </a:pPr>
             <a:r>
-              <a:rPr lang="pt-BR">
+              <a:rPr lang="pt-BR" sz="2400">
                 <a:solidFill>
                   <a:srgbClr val="000000"/>
                 </a:solidFill>
@@ -3565,7 +3474,7 @@
               <a:buChar char="-"/>
             </a:pPr>
             <a:r>
-              <a:rPr lang="pt-BR">
+              <a:rPr lang="pt-BR" sz="2400">
                 <a:solidFill>
                   <a:srgbClr val="000000"/>
                 </a:solidFill>
@@ -3614,7 +3523,7 @@
               <a:buChar char="-"/>
             </a:pPr>
             <a:r>
-              <a:rPr lang="pt-BR">
+              <a:rPr lang="pt-BR" sz="2400">
                 <a:solidFill>
                   <a:srgbClr val="000000"/>
                 </a:solidFill>
@@ -3624,7 +3533,7 @@
               <a:t>Utilizado a ferramenta </a:t>
             </a:r>
             <a:r>
-              <a:rPr lang="pt-BR">
+              <a:rPr lang="pt-BR" sz="2400">
                 <a:solidFill>
                   <a:srgbClr val="262626"/>
                 </a:solidFill>
@@ -3673,7 +3582,7 @@
               <a:buChar char="-"/>
             </a:pPr>
             <a:r>
-              <a:rPr lang="pt-BR">
+              <a:rPr lang="pt-BR" sz="2400">
                 <a:solidFill>
                   <a:srgbClr val="000000"/>
                 </a:solidFill>
@@ -3722,7 +3631,7 @@
               <a:buChar char="-"/>
             </a:pPr>
             <a:r>
-              <a:rPr lang="pt-BR">
+              <a:rPr lang="pt-BR" sz="2400">
                 <a:solidFill>
                   <a:srgbClr val="000000"/>
                 </a:solidFill>
@@ -3759,21 +3668,21 @@
       </p:grpSpPr>
       <p:sp>
         <p:nvSpPr>
-          <p:cNvPr id="78" name="TextShape 1"/>
-          <p:cNvSpPr txBox="1"/>
+          <p:cNvPr id="76" name="CustomShape 1"/>
+          <p:cNvSpPr/>
           <p:nvPr/>
         </p:nvSpPr>
         <p:spPr>
           <a:xfrm>
             <a:off x="457200" y="205920"/>
-            <a:ext cx="8229240" cy="857160"/>
-          </a:xfrm>
-          <a:prstGeom prst="rect">
-            <a:avLst/>
-          </a:prstGeom>
-        </p:spPr>
-        <p:txBody>
-          <a:bodyPr anchor="b" bIns="91440" tIns="91440"/>
+            <a:ext cx="8228880" cy="856800"/>
+          </a:xfrm>
+          <a:prstGeom prst="rect">
+            <a:avLst/>
+          </a:prstGeom>
+        </p:spPr>
+        <p:txBody>
+          <a:bodyPr anchor="b" bIns="91440" lIns="90000" rIns="90000" tIns="91440"/>
           <a:p>
             <a:pPr>
               <a:lnSpc>
@@ -3796,21 +3705,21 @@
       </p:sp>
       <p:sp>
         <p:nvSpPr>
-          <p:cNvPr id="79" name="TextShape 2"/>
-          <p:cNvSpPr txBox="1"/>
+          <p:cNvPr id="77" name="CustomShape 2"/>
+          <p:cNvSpPr/>
           <p:nvPr/>
         </p:nvSpPr>
         <p:spPr>
           <a:xfrm>
             <a:off x="457200" y="1200240"/>
-            <a:ext cx="8229240" cy="3725280"/>
-          </a:xfrm>
-          <a:prstGeom prst="rect">
-            <a:avLst/>
-          </a:prstGeom>
-        </p:spPr>
-        <p:txBody>
-          <a:bodyPr bIns="91440" tIns="91440"/>
+            <a:ext cx="8228880" cy="3724920"/>
+          </a:xfrm>
+          <a:prstGeom prst="rect">
+            <a:avLst/>
+          </a:prstGeom>
+        </p:spPr>
+        <p:txBody>
+          <a:bodyPr bIns="91440" lIns="90000" rIns="90000" tIns="91440"/>
           <a:p>
             <a:pPr>
               <a:lnSpc>
@@ -3840,7 +3749,7 @@
               <a:buChar char="-"/>
             </a:pPr>
             <a:r>
-              <a:rPr lang="pt-BR">
+              <a:rPr lang="pt-BR" sz="2400">
                 <a:solidFill>
                   <a:srgbClr val="000000"/>
                 </a:solidFill>
@@ -3889,7 +3798,7 @@
               <a:buChar char="-"/>
             </a:pPr>
             <a:r>
-              <a:rPr lang="pt-BR">
+              <a:rPr lang="pt-BR" sz="2400">
                 <a:solidFill>
                   <a:srgbClr val="000000"/>
                 </a:solidFill>
@@ -3937,7 +3846,7 @@
               <a:buChar char="-"/>
             </a:pPr>
             <a:r>
-              <a:rPr lang="pt-BR">
+              <a:rPr lang="pt-BR" sz="2400">
                 <a:solidFill>
                   <a:srgbClr val="000000"/>
                 </a:solidFill>
@@ -3974,21 +3883,21 @@
       </p:grpSpPr>
       <p:sp>
         <p:nvSpPr>
-          <p:cNvPr id="80" name="TextShape 1"/>
-          <p:cNvSpPr txBox="1"/>
+          <p:cNvPr id="78" name="CustomShape 1"/>
+          <p:cNvSpPr/>
           <p:nvPr/>
         </p:nvSpPr>
         <p:spPr>
           <a:xfrm>
             <a:off x="685800" y="1583280"/>
-            <a:ext cx="7772040" cy="1159560"/>
-          </a:xfrm>
-          <a:prstGeom prst="rect">
-            <a:avLst/>
-          </a:prstGeom>
-        </p:spPr>
-        <p:txBody>
-          <a:bodyPr anchor="b" bIns="91440" tIns="91440"/>
+            <a:ext cx="7771680" cy="1159200"/>
+          </a:xfrm>
+          <a:prstGeom prst="rect">
+            <a:avLst/>
+          </a:prstGeom>
+        </p:spPr>
+        <p:txBody>
+          <a:bodyPr anchor="b" bIns="91440" lIns="90000" rIns="90000" tIns="91440"/>
           <a:p>
             <a:pPr algn="ctr">
               <a:lnSpc>
@@ -4011,21 +3920,21 @@
       </p:sp>
       <p:sp>
         <p:nvSpPr>
-          <p:cNvPr id="81" name="TextShape 2"/>
-          <p:cNvSpPr txBox="1"/>
+          <p:cNvPr id="79" name="CustomShape 2"/>
+          <p:cNvSpPr/>
           <p:nvPr/>
         </p:nvSpPr>
         <p:spPr>
           <a:xfrm>
             <a:off x="685800" y="2840040"/>
-            <a:ext cx="7772040" cy="784440"/>
-          </a:xfrm>
-          <a:prstGeom prst="rect">
-            <a:avLst/>
-          </a:prstGeom>
-        </p:spPr>
-        <p:txBody>
-          <a:bodyPr bIns="91440" tIns="91440"/>
+            <a:ext cx="7771680" cy="784080"/>
+          </a:xfrm>
+          <a:prstGeom prst="rect">
+            <a:avLst/>
+          </a:prstGeom>
+        </p:spPr>
+        <p:txBody>
+          <a:bodyPr bIns="91440" lIns="90000" rIns="90000" tIns="91440"/>
           <a:p>
             <a:pPr algn="ctr">
               <a:lnSpc>
@@ -4051,10 +3960,10 @@
   <p:timing>
     <p:tnLst>
       <p:par>
-        <p:cTn dur="indefinite" id="3" nodeType="tmRoot" restart="never">
+        <p:cTn dur="indefinite" id="7" nodeType="tmRoot" restart="never">
           <p:childTnLst>
             <p:seq>
-              <p:cTn id="4" nodeType="mainSeq">
+              <p:cTn id="8" nodeType="mainSeq">
                 <p:childTnLst/>
               </p:cTn>
               <p:prevCondLst>
@@ -4099,21 +4008,21 @@
       </p:grpSpPr>
       <p:sp>
         <p:nvSpPr>
-          <p:cNvPr id="82" name="TextShape 1"/>
-          <p:cNvSpPr txBox="1"/>
+          <p:cNvPr id="80" name="CustomShape 1"/>
+          <p:cNvSpPr/>
           <p:nvPr/>
         </p:nvSpPr>
         <p:spPr>
           <a:xfrm>
             <a:off x="685800" y="1068840"/>
-            <a:ext cx="7955280" cy="3474000"/>
-          </a:xfrm>
-          <a:prstGeom prst="rect">
-            <a:avLst/>
-          </a:prstGeom>
-        </p:spPr>
-        <p:txBody>
-          <a:bodyPr bIns="91440" tIns="91440"/>
+            <a:ext cx="7954920" cy="3473640"/>
+          </a:xfrm>
+          <a:prstGeom prst="rect">
+            <a:avLst/>
+          </a:prstGeom>
+        </p:spPr>
+        <p:txBody>
+          <a:bodyPr bIns="91440" lIns="90000" rIns="90000" tIns="91440"/>
           <a:p>
             <a:pPr algn="just">
               <a:lnSpc>
@@ -4166,21 +4075,21 @@
       </p:sp>
       <p:sp>
         <p:nvSpPr>
-          <p:cNvPr id="83" name="TextShape 2"/>
-          <p:cNvSpPr txBox="1"/>
+          <p:cNvPr id="81" name="CustomShape 2"/>
+          <p:cNvSpPr/>
           <p:nvPr/>
         </p:nvSpPr>
         <p:spPr>
           <a:xfrm>
             <a:off x="465480" y="330480"/>
-            <a:ext cx="2673360" cy="738360"/>
-          </a:xfrm>
-          <a:prstGeom prst="rect">
-            <a:avLst/>
-          </a:prstGeom>
-        </p:spPr>
-        <p:txBody>
-          <a:bodyPr anchor="b" bIns="91440" tIns="91440"/>
+            <a:ext cx="2673000" cy="738000"/>
+          </a:xfrm>
+          <a:prstGeom prst="rect">
+            <a:avLst/>
+          </a:prstGeom>
+        </p:spPr>
+        <p:txBody>
+          <a:bodyPr anchor="b" bIns="91440" lIns="90000" rIns="90000" tIns="91440"/>
           <a:p>
             <a:pPr>
               <a:lnSpc>
@@ -4206,10 +4115,10 @@
   <p:timing>
     <p:tnLst>
       <p:par>
-        <p:cTn dur="indefinite" id="5" nodeType="tmRoot" restart="never">
+        <p:cTn dur="indefinite" id="9" nodeType="tmRoot" restart="never">
           <p:childTnLst>
             <p:seq>
-              <p:cTn id="6" nodeType="mainSeq">
+              <p:cTn id="10" nodeType="mainSeq">
                 <p:childTnLst/>
               </p:cTn>
               <p:prevCondLst>
@@ -4254,21 +4163,21 @@
       </p:grpSpPr>
       <p:sp>
         <p:nvSpPr>
-          <p:cNvPr id="84" name="TextShape 1"/>
-          <p:cNvSpPr txBox="1"/>
+          <p:cNvPr id="82" name="CustomShape 1"/>
+          <p:cNvSpPr/>
           <p:nvPr/>
         </p:nvSpPr>
         <p:spPr>
           <a:xfrm>
             <a:off x="685800" y="1068840"/>
-            <a:ext cx="7772040" cy="3699360"/>
-          </a:xfrm>
-          <a:prstGeom prst="rect">
-            <a:avLst/>
-          </a:prstGeom>
-        </p:spPr>
-        <p:txBody>
-          <a:bodyPr bIns="91440" tIns="91440"/>
+            <a:ext cx="7771680" cy="3699000"/>
+          </a:xfrm>
+          <a:prstGeom prst="rect">
+            <a:avLst/>
+          </a:prstGeom>
+        </p:spPr>
+        <p:txBody>
+          <a:bodyPr bIns="91440" lIns="90000" rIns="90000" tIns="91440"/>
           <a:p>
             <a:pPr algn="just">
               <a:lnSpc>
@@ -4290,7 +4199,7 @@
             <a:endParaRPr/>
           </a:p>
           <a:p>
-            <a:pPr>
+            <a:pPr algn="just">
               <a:lnSpc>
                 <a:spcPct val="100000"/>
               </a:lnSpc>
@@ -4318,15 +4227,15 @@
             <a:endParaRPr/>
           </a:p>
           <a:p>
-            <a:pPr>
-              <a:lnSpc>
-                <a:spcPct val="100000"/>
-              </a:lnSpc>
-            </a:pPr>
-            <a:endParaRPr/>
-          </a:p>
-          <a:p>
-            <a:pPr>
+            <a:pPr algn="just">
+              <a:lnSpc>
+                <a:spcPct val="100000"/>
+              </a:lnSpc>
+            </a:pPr>
+            <a:endParaRPr/>
+          </a:p>
+          <a:p>
+            <a:pPr algn="just">
               <a:lnSpc>
                 <a:spcPct val="100000"/>
               </a:lnSpc>
@@ -4346,15 +4255,15 @@
             <a:endParaRPr/>
           </a:p>
           <a:p>
-            <a:pPr>
-              <a:lnSpc>
-                <a:spcPct val="100000"/>
-              </a:lnSpc>
-            </a:pPr>
-            <a:endParaRPr/>
-          </a:p>
-          <a:p>
-            <a:pPr>
+            <a:pPr algn="just">
+              <a:lnSpc>
+                <a:spcPct val="100000"/>
+              </a:lnSpc>
+            </a:pPr>
+            <a:endParaRPr/>
+          </a:p>
+          <a:p>
+            <a:pPr algn="just">
               <a:lnSpc>
                 <a:spcPct val="100000"/>
               </a:lnSpc>
@@ -4377,21 +4286,21 @@
       </p:sp>
       <p:sp>
         <p:nvSpPr>
-          <p:cNvPr id="85" name="TextShape 2"/>
-          <p:cNvSpPr txBox="1"/>
+          <p:cNvPr id="83" name="CustomShape 2"/>
+          <p:cNvSpPr/>
           <p:nvPr/>
         </p:nvSpPr>
         <p:spPr>
           <a:xfrm>
             <a:off x="465480" y="330480"/>
-            <a:ext cx="3300840" cy="738360"/>
-          </a:xfrm>
-          <a:prstGeom prst="rect">
-            <a:avLst/>
-          </a:prstGeom>
-        </p:spPr>
-        <p:txBody>
-          <a:bodyPr anchor="b" bIns="91440" tIns="91440"/>
+            <a:ext cx="3300480" cy="738000"/>
+          </a:xfrm>
+          <a:prstGeom prst="rect">
+            <a:avLst/>
+          </a:prstGeom>
+        </p:spPr>
+        <p:txBody>
+          <a:bodyPr anchor="b" bIns="91440" lIns="90000" rIns="90000" tIns="91440"/>
           <a:p>
             <a:pPr>
               <a:lnSpc>
@@ -4417,10 +4326,10 @@
   <p:timing>
     <p:tnLst>
       <p:par>
-        <p:cTn dur="indefinite" id="7" nodeType="tmRoot" restart="never">
+        <p:cTn dur="indefinite" id="11" nodeType="tmRoot" restart="never">
           <p:childTnLst>
             <p:seq>
-              <p:cTn id="8" nodeType="mainSeq">
+              <p:cTn id="12" nodeType="mainSeq">
                 <p:childTnLst/>
               </p:cTn>
               <p:prevCondLst>
@@ -4465,21 +4374,21 @@
       </p:grpSpPr>
       <p:sp>
         <p:nvSpPr>
-          <p:cNvPr id="86" name="TextShape 1"/>
-          <p:cNvSpPr txBox="1"/>
+          <p:cNvPr id="84" name="CustomShape 1"/>
+          <p:cNvSpPr/>
           <p:nvPr/>
         </p:nvSpPr>
         <p:spPr>
           <a:xfrm>
             <a:off x="685800" y="1068840"/>
-            <a:ext cx="7772040" cy="3699360"/>
-          </a:xfrm>
-          <a:prstGeom prst="rect">
-            <a:avLst/>
-          </a:prstGeom>
-        </p:spPr>
-        <p:txBody>
-          <a:bodyPr bIns="91440" tIns="91440"/>
+            <a:ext cx="7771680" cy="3699000"/>
+          </a:xfrm>
+          <a:prstGeom prst="rect">
+            <a:avLst/>
+          </a:prstGeom>
+        </p:spPr>
+        <p:txBody>
+          <a:bodyPr bIns="91440" lIns="90000" rIns="90000" tIns="91440"/>
           <a:p>
             <a:pPr algn="just">
               <a:lnSpc>
@@ -4504,21 +4413,21 @@
       </p:sp>
       <p:sp>
         <p:nvSpPr>
-          <p:cNvPr id="87" name="TextShape 2"/>
-          <p:cNvSpPr txBox="1"/>
+          <p:cNvPr id="85" name="CustomShape 2"/>
+          <p:cNvSpPr/>
           <p:nvPr/>
         </p:nvSpPr>
         <p:spPr>
           <a:xfrm>
             <a:off x="465480" y="330480"/>
-            <a:ext cx="3300840" cy="738360"/>
-          </a:xfrm>
-          <a:prstGeom prst="rect">
-            <a:avLst/>
-          </a:prstGeom>
-        </p:spPr>
-        <p:txBody>
-          <a:bodyPr anchor="b" bIns="91440" tIns="91440"/>
+            <a:ext cx="3300480" cy="738000"/>
+          </a:xfrm>
+          <a:prstGeom prst="rect">
+            <a:avLst/>
+          </a:prstGeom>
+        </p:spPr>
+        <p:txBody>
+          <a:bodyPr anchor="b" bIns="91440" lIns="90000" rIns="90000" tIns="91440"/>
           <a:p>
             <a:pPr>
               <a:lnSpc>
@@ -4544,10 +4453,10 @@
   <p:timing>
     <p:tnLst>
       <p:par>
-        <p:cTn dur="indefinite" id="9" nodeType="tmRoot" restart="never">
+        <p:cTn dur="indefinite" id="13" nodeType="tmRoot" restart="never">
           <p:childTnLst>
             <p:seq>
-              <p:cTn id="10" nodeType="mainSeq">
+              <p:cTn id="14" nodeType="mainSeq">
                 <p:childTnLst/>
               </p:cTn>
               <p:prevCondLst>
